--- a/lecture slides/lecture 11 - positive and normative.pptx
+++ b/lecture slides/lecture 11 - positive and normative.pptx
@@ -209,6 +209,35 @@
     </p:extLst>
   </p:cmAuthor>
 </p:cmAuthorLst>
+</file>
+
+<file path=ppt/changesInfos/changesInfo1.xml><?xml version="1.0" encoding="utf-8"?>
+<pc:chgInfo xmlns:a="http://schemas.openxmlformats.org/drawingml/2006/main" xmlns:r="http://schemas.openxmlformats.org/officeDocument/2006/relationships" xmlns:ac="http://schemas.microsoft.com/office/drawing/2013/main/command" xmlns:pc="http://schemas.microsoft.com/office/powerpoint/2013/main/command">
+  <pc:docChgLst>
+    <pc:chgData name="Austin, Wes" userId="af0a08d3-450a-44fe-af25-05348afc4137" providerId="ADAL" clId="{5DF8C19D-9DE9-495B-A03B-FFFC47795977}"/>
+    <pc:docChg chg="modSld">
+      <pc:chgData name="Austin, Wes" userId="af0a08d3-450a-44fe-af25-05348afc4137" providerId="ADAL" clId="{5DF8C19D-9DE9-495B-A03B-FFFC47795977}" dt="2023-09-27T19:36:40.481" v="0" actId="20577"/>
+      <pc:docMkLst>
+        <pc:docMk/>
+      </pc:docMkLst>
+      <pc:sldChg chg="modSp mod">
+        <pc:chgData name="Austin, Wes" userId="af0a08d3-450a-44fe-af25-05348afc4137" providerId="ADAL" clId="{5DF8C19D-9DE9-495B-A03B-FFFC47795977}" dt="2023-09-27T19:36:40.481" v="0" actId="20577"/>
+        <pc:sldMkLst>
+          <pc:docMk/>
+          <pc:sldMk cId="3347428032" sldId="772"/>
+        </pc:sldMkLst>
+        <pc:spChg chg="mod">
+          <ac:chgData name="Austin, Wes" userId="af0a08d3-450a-44fe-af25-05348afc4137" providerId="ADAL" clId="{5DF8C19D-9DE9-495B-A03B-FFFC47795977}" dt="2023-09-27T19:36:40.481" v="0" actId="20577"/>
+          <ac:spMkLst>
+            <pc:docMk/>
+            <pc:sldMk cId="3347428032" sldId="772"/>
+            <ac:spMk id="3" creationId="{2B8781A6-9BC8-F170-6E0A-11298CA27AAE}"/>
+          </ac:spMkLst>
+        </pc:spChg>
+      </pc:sldChg>
+    </pc:docChg>
+  </pc:docChgLst>
+</pc:chgInfo>
 </file>
 
 <file path=ppt/notesMasters/notesMaster1.xml><?xml version="1.0" encoding="utf-8"?>
@@ -10799,7 +10828,19 @@
               <a:rPr lang="en-US" sz="2800" dirty="0">
                 <a:cs typeface="Times New Roman" panose="02020603050405020304" pitchFamily="18" charset="0"/>
               </a:rPr>
-              <a:t>Kaldor-Hicks was an outgrowth of the Pareto optimality.</a:t>
+              <a:t>Kaldor-Hicks was an outgrowth </a:t>
+            </a:r>
+            <a:r>
+              <a:rPr lang="en-US" sz="2800">
+                <a:cs typeface="Times New Roman" panose="02020603050405020304" pitchFamily="18" charset="0"/>
+              </a:rPr>
+              <a:t>of Pareto </a:t>
+            </a:r>
+            <a:r>
+              <a:rPr lang="en-US" sz="2800" dirty="0">
+                <a:cs typeface="Times New Roman" panose="02020603050405020304" pitchFamily="18" charset="0"/>
+              </a:rPr>
+              <a:t>optimality.</a:t>
             </a:r>
           </a:p>
           <a:p>

--- a/lecture slides/lecture 11 - positive and normative.pptx
+++ b/lecture slides/lecture 11 - positive and normative.pptx
@@ -322,7 +322,7 @@
           <a:p>
             <a:fld id="{C6F51268-28D7-4A1D-B6E7-7FC724367079}" type="datetimeFigureOut">
               <a:rPr lang="en-US" smtClean="0"/>
-              <a:t>9/27/2023</a:t>
+              <a:t>10/3/2023</a:t>
             </a:fld>
             <a:endParaRPr lang="en-US"/>
           </a:p>
@@ -4791,7 +4791,7 @@
               <a:rPr lang="en-US" sz="2600" dirty="0">
                 <a:cs typeface="Calibri Light" panose="020F0302020204030204" pitchFamily="34" charset="0"/>
               </a:rPr>
-              <a:t>Econ 475</a:t>
+              <a:t>Econ 4075</a:t>
             </a:r>
           </a:p>
         </p:txBody>
@@ -4839,9 +4839,9 @@
           </a:lstStyle>
           <a:p>
             <a:r>
-              <a:rPr lang="en-US" sz="2700" dirty="0">
-                <a:solidFill>
-                  <a:schemeClr val="tx1"/>
+              <a:rPr lang="en-US" sz="2700" b="1" dirty="0">
+                <a:solidFill>
+                  <a:srgbClr val="0070C0"/>
                 </a:solidFill>
                 <a:latin typeface="+mn-lt"/>
                 <a:cs typeface="Calibri Light" panose="020F0302020204030204" pitchFamily="34" charset="0"/>
